--- a/react-redux-chart-explanation.pptx
+++ b/react-redux-chart-explanation.pptx
@@ -6632,15 +6632,7 @@
           <a:p>
             <a:r>
               <a:rPr lang="en-US" i="1" dirty="0" smtClean="0"/>
-              <a:t>Since we’ll likely </a:t>
-            </a:r>
-            <a:r>
-              <a:rPr lang="en-US" i="1" smtClean="0"/>
-              <a:t>need the list of </a:t>
-            </a:r>
-            <a:r>
-              <a:rPr lang="en-US" i="1" dirty="0" smtClean="0"/>
-              <a:t>artists as soon as we are on this component, let’s just put in the </a:t>
+              <a:t>Since we’ll likely need the list of artists as soon as we are on this component, let’s just put in the </a:t>
             </a:r>
             <a:r>
               <a:rPr lang="en-US" i="1" dirty="0" err="1" smtClean="0"/>
@@ -7611,7 +7603,15 @@
             </a:r>
             <a:r>
               <a:rPr lang="en-US" i="1" dirty="0" smtClean="0"/>
-              <a:t> (and all other reducers too), but if you wrote your reducers and cases correctly, only the </a:t>
+              <a:t> (and all </a:t>
+            </a:r>
+            <a:r>
+              <a:rPr lang="en-US" i="1" smtClean="0"/>
+              <a:t>other reducers) too, </a:t>
+            </a:r>
+            <a:r>
+              <a:rPr lang="en-US" i="1" dirty="0" smtClean="0"/>
+              <a:t>but if you wrote your reducers and cases correctly, only the </a:t>
             </a:r>
             <a:r>
               <a:rPr lang="en-US" i="1" dirty="0" err="1" smtClean="0"/>

--- a/react-redux-chart-explanation.pptx
+++ b/react-redux-chart-explanation.pptx
@@ -8,7 +8,7 @@
     <p:notesMasterId r:id="rId40"/>
   </p:notesMasterIdLst>
   <p:sldIdLst>
-    <p:sldId id="273" r:id="rId2"/>
+    <p:sldId id="303" r:id="rId2"/>
     <p:sldId id="271" r:id="rId3"/>
     <p:sldId id="256" r:id="rId4"/>
     <p:sldId id="274" r:id="rId5"/>
@@ -562,7 +562,91 @@
           <a:p>
             <a:fld id="{2F074A80-F10D-EA43-AA8F-AEE4E4DA9098}" type="slidenum">
               <a:rPr lang="en-US" smtClean="0"/>
-              <a:t>3</a:t>
+              <a:t>1</a:t>
+            </a:fld>
+            <a:endParaRPr lang="en-US"/>
+          </a:p>
+        </p:txBody>
+      </p:sp>
+    </p:spTree>
+    <p:extLst>
+      <p:ext uri="{BB962C8B-B14F-4D97-AF65-F5344CB8AC3E}">
+        <p14:creationId xmlns:p14="http://schemas.microsoft.com/office/powerpoint/2010/main" val="1754290703"/>
+      </p:ext>
+    </p:extLst>
+  </p:cSld>
+  <p:clrMapOvr>
+    <a:masterClrMapping/>
+  </p:clrMapOvr>
+</p:notes>
+</file>
+
+<file path=ppt/notesSlides/notesSlide10.xml><?xml version="1.0" encoding="utf-8"?>
+<p:notes xmlns:a="http://schemas.openxmlformats.org/drawingml/2006/main" xmlns:r="http://schemas.openxmlformats.org/officeDocument/2006/relationships" xmlns:p="http://schemas.openxmlformats.org/presentationml/2006/main">
+  <p:cSld>
+    <p:spTree>
+      <p:nvGrpSpPr>
+        <p:cNvPr id="1" name=""/>
+        <p:cNvGrpSpPr/>
+        <p:nvPr/>
+      </p:nvGrpSpPr>
+      <p:grpSpPr>
+        <a:xfrm>
+          <a:off x="0" y="0"/>
+          <a:ext cx="0" cy="0"/>
+          <a:chOff x="0" y="0"/>
+          <a:chExt cx="0" cy="0"/>
+        </a:xfrm>
+      </p:grpSpPr>
+      <p:sp>
+        <p:nvSpPr>
+          <p:cNvPr id="2" name="Slide Image Placeholder 1"/>
+          <p:cNvSpPr>
+            <a:spLocks noGrp="1" noRot="1" noChangeAspect="1"/>
+          </p:cNvSpPr>
+          <p:nvPr>
+            <p:ph type="sldImg"/>
+          </p:nvPr>
+        </p:nvSpPr>
+        <p:spPr/>
+      </p:sp>
+      <p:sp>
+        <p:nvSpPr>
+          <p:cNvPr id="3" name="Notes Placeholder 2"/>
+          <p:cNvSpPr>
+            <a:spLocks noGrp="1"/>
+          </p:cNvSpPr>
+          <p:nvPr>
+            <p:ph type="body" idx="1"/>
+          </p:nvPr>
+        </p:nvSpPr>
+        <p:spPr/>
+        <p:txBody>
+          <a:bodyPr/>
+          <a:lstStyle/>
+          <a:p>
+            <a:endParaRPr lang="en-US" dirty="0"/>
+          </a:p>
+        </p:txBody>
+      </p:sp>
+      <p:sp>
+        <p:nvSpPr>
+          <p:cNvPr id="4" name="Slide Number Placeholder 3"/>
+          <p:cNvSpPr>
+            <a:spLocks noGrp="1"/>
+          </p:cNvSpPr>
+          <p:nvPr>
+            <p:ph type="sldNum" sz="quarter" idx="10"/>
+          </p:nvPr>
+        </p:nvSpPr>
+        <p:spPr/>
+        <p:txBody>
+          <a:bodyPr/>
+          <a:lstStyle/>
+          <a:p>
+            <a:fld id="{2F074A80-F10D-EA43-AA8F-AEE4E4DA9098}" type="slidenum">
+              <a:rPr lang="en-US" smtClean="0"/>
+              <a:t>11</a:t>
             </a:fld>
             <a:endParaRPr lang="en-US"/>
           </a:p>
@@ -646,7 +730,7 @@
           <a:p>
             <a:fld id="{2F074A80-F10D-EA43-AA8F-AEE4E4DA9098}" type="slidenum">
               <a:rPr lang="en-US" smtClean="0"/>
-              <a:t>4</a:t>
+              <a:t>3</a:t>
             </a:fld>
             <a:endParaRPr lang="en-US"/>
           </a:p>
@@ -730,7 +814,7 @@
           <a:p>
             <a:fld id="{2F074A80-F10D-EA43-AA8F-AEE4E4DA9098}" type="slidenum">
               <a:rPr lang="en-US" smtClean="0"/>
-              <a:t>5</a:t>
+              <a:t>4</a:t>
             </a:fld>
             <a:endParaRPr lang="en-US"/>
           </a:p>
@@ -814,7 +898,7 @@
           <a:p>
             <a:fld id="{2F074A80-F10D-EA43-AA8F-AEE4E4DA9098}" type="slidenum">
               <a:rPr lang="en-US" smtClean="0"/>
-              <a:t>6</a:t>
+              <a:t>5</a:t>
             </a:fld>
             <a:endParaRPr lang="en-US"/>
           </a:p>
@@ -898,7 +982,7 @@
           <a:p>
             <a:fld id="{2F074A80-F10D-EA43-AA8F-AEE4E4DA9098}" type="slidenum">
               <a:rPr lang="en-US" smtClean="0"/>
-              <a:t>7</a:t>
+              <a:t>6</a:t>
             </a:fld>
             <a:endParaRPr lang="en-US"/>
           </a:p>
@@ -982,7 +1066,7 @@
           <a:p>
             <a:fld id="{2F074A80-F10D-EA43-AA8F-AEE4E4DA9098}" type="slidenum">
               <a:rPr lang="en-US" smtClean="0"/>
-              <a:t>8</a:t>
+              <a:t>7</a:t>
             </a:fld>
             <a:endParaRPr lang="en-US"/>
           </a:p>
@@ -1066,7 +1150,7 @@
           <a:p>
             <a:fld id="{2F074A80-F10D-EA43-AA8F-AEE4E4DA9098}" type="slidenum">
               <a:rPr lang="en-US" smtClean="0"/>
-              <a:t>9</a:t>
+              <a:t>8</a:t>
             </a:fld>
             <a:endParaRPr lang="en-US"/>
           </a:p>
@@ -1150,7 +1234,7 @@
           <a:p>
             <a:fld id="{2F074A80-F10D-EA43-AA8F-AEE4E4DA9098}" type="slidenum">
               <a:rPr lang="en-US" smtClean="0"/>
-              <a:t>10</a:t>
+              <a:t>9</a:t>
             </a:fld>
             <a:endParaRPr lang="en-US"/>
           </a:p>
@@ -1234,7 +1318,7 @@
           <a:p>
             <a:fld id="{2F074A80-F10D-EA43-AA8F-AEE4E4DA9098}" type="slidenum">
               <a:rPr lang="en-US" smtClean="0"/>
-              <a:t>11</a:t>
+              <a:t>10</a:t>
             </a:fld>
             <a:endParaRPr lang="en-US"/>
           </a:p>
@@ -4241,22 +4325,67 @@
           <a:chExt cx="0" cy="0"/>
         </a:xfrm>
       </p:grpSpPr>
-      <p:sp>
-        <p:nvSpPr>
-          <p:cNvPr id="2" name="Title 1"/>
-          <p:cNvSpPr>
-            <a:spLocks noGrp="1"/>
-          </p:cNvSpPr>
-          <p:nvPr>
-            <p:ph type="ctrTitle"/>
-          </p:nvPr>
-        </p:nvSpPr>
-        <p:spPr/>
-        <p:txBody>
-          <a:bodyPr>
+      <p:pic>
+        <p:nvPicPr>
+          <p:cNvPr id="4" name="Picture 3"/>
+          <p:cNvPicPr>
+            <a:picLocks noChangeAspect="1"/>
+          </p:cNvPicPr>
+          <p:nvPr/>
+        </p:nvPicPr>
+        <p:blipFill>
+          <a:blip r:embed="rId3"/>
+          <a:stretch>
+            <a:fillRect/>
+          </a:stretch>
+        </p:blipFill>
+        <p:spPr>
+          <a:xfrm>
+            <a:off x="0" y="203200"/>
+            <a:ext cx="9144000" cy="6445770"/>
+          </a:xfrm>
+          <a:prstGeom prst="rect">
+            <a:avLst/>
+          </a:prstGeom>
+        </p:spPr>
+      </p:pic>
+      <p:sp>
+        <p:nvSpPr>
+          <p:cNvPr id="6" name="Title 1"/>
+          <p:cNvSpPr txBox="1">
+            <a:spLocks/>
+          </p:cNvSpPr>
+          <p:nvPr/>
+        </p:nvSpPr>
+        <p:spPr>
+          <a:xfrm>
+            <a:off x="685800" y="39512"/>
+            <a:ext cx="7772400" cy="1470025"/>
+          </a:xfrm>
+          <a:prstGeom prst="rect">
+            <a:avLst/>
+          </a:prstGeom>
+        </p:spPr>
+        <p:txBody>
+          <a:bodyPr vert="horz" lIns="91440" tIns="45720" rIns="91440" bIns="45720" rtlCol="0" anchor="ctr">
             <a:normAutofit/>
           </a:bodyPr>
-          <a:lstStyle/>
+          <a:lstStyle>
+            <a:lvl1pPr algn="ctr" defTabSz="457200" rtl="0" eaLnBrk="1" latinLnBrk="0" hangingPunct="1">
+              <a:spcBef>
+                <a:spcPct val="0"/>
+              </a:spcBef>
+              <a:buNone/>
+              <a:defRPr sz="4400" kern="1200">
+                <a:solidFill>
+                  <a:schemeClr val="tx1"/>
+                </a:solidFill>
+                <a:latin typeface="+mj-lt"/>
+                <a:ea typeface="+mj-ea"/>
+                <a:cs typeface="+mj-cs"/>
+              </a:defRPr>
+            </a:lvl1pPr>
+          </a:lstStyle>
           <a:p>
             <a:r>
               <a:rPr lang="en-US" sz="5600" dirty="0" smtClean="0"/>
@@ -4273,7 +4402,7 @@
     </p:spTree>
     <p:extLst>
       <p:ext uri="{BB962C8B-B14F-4D97-AF65-F5344CB8AC3E}">
-        <p14:creationId xmlns:p14="http://schemas.microsoft.com/office/powerpoint/2010/main" val="376517749"/>
+        <p14:creationId xmlns:p14="http://schemas.microsoft.com/office/powerpoint/2010/main" val="2215886770"/>
       </p:ext>
     </p:extLst>
   </p:cSld>
@@ -7603,15 +7732,7 @@
             </a:r>
             <a:r>
               <a:rPr lang="en-US" i="1" dirty="0" smtClean="0"/>
-              <a:t> (and all </a:t>
-            </a:r>
-            <a:r>
-              <a:rPr lang="en-US" i="1" smtClean="0"/>
-              <a:t>other reducers) too, </a:t>
-            </a:r>
-            <a:r>
-              <a:rPr lang="en-US" i="1" dirty="0" smtClean="0"/>
-              <a:t>but if you wrote your reducers and cases correctly, only the </a:t>
+              <a:t> (and all other reducers) too, but if you wrote your reducers and cases correctly, only the </a:t>
             </a:r>
             <a:r>
               <a:rPr lang="en-US" i="1" dirty="0" err="1" smtClean="0"/>
